--- a/src/logo/Set-OutlookSignatures Logo.pptx
+++ b/src/logo/Set-OutlookSignatures Logo.pptx
@@ -272,7 +272,7 @@
           <a:p>
             <a:fld id="{C11841D6-B7FC-4F74-87D2-69F6AB48AF83}" type="datetimeFigureOut">
               <a:rPr lang="de-AT" smtClean="0"/>
-              <a:t>22.09.2022</a:t>
+              <a:t>13.03.2023</a:t>
             </a:fld>
             <a:endParaRPr lang="de-AT"/>
           </a:p>
@@ -472,7 +472,7 @@
           <a:p>
             <a:fld id="{C11841D6-B7FC-4F74-87D2-69F6AB48AF83}" type="datetimeFigureOut">
               <a:rPr lang="de-AT" smtClean="0"/>
-              <a:t>22.09.2022</a:t>
+              <a:t>13.03.2023</a:t>
             </a:fld>
             <a:endParaRPr lang="de-AT"/>
           </a:p>
@@ -682,7 +682,7 @@
           <a:p>
             <a:fld id="{C11841D6-B7FC-4F74-87D2-69F6AB48AF83}" type="datetimeFigureOut">
               <a:rPr lang="de-AT" smtClean="0"/>
-              <a:t>22.09.2022</a:t>
+              <a:t>13.03.2023</a:t>
             </a:fld>
             <a:endParaRPr lang="de-AT"/>
           </a:p>
@@ -882,7 +882,7 @@
           <a:p>
             <a:fld id="{C11841D6-B7FC-4F74-87D2-69F6AB48AF83}" type="datetimeFigureOut">
               <a:rPr lang="de-AT" smtClean="0"/>
-              <a:t>22.09.2022</a:t>
+              <a:t>13.03.2023</a:t>
             </a:fld>
             <a:endParaRPr lang="de-AT"/>
           </a:p>
@@ -1158,7 +1158,7 @@
           <a:p>
             <a:fld id="{C11841D6-B7FC-4F74-87D2-69F6AB48AF83}" type="datetimeFigureOut">
               <a:rPr lang="de-AT" smtClean="0"/>
-              <a:t>22.09.2022</a:t>
+              <a:t>13.03.2023</a:t>
             </a:fld>
             <a:endParaRPr lang="de-AT"/>
           </a:p>
@@ -1426,7 +1426,7 @@
           <a:p>
             <a:fld id="{C11841D6-B7FC-4F74-87D2-69F6AB48AF83}" type="datetimeFigureOut">
               <a:rPr lang="de-AT" smtClean="0"/>
-              <a:t>22.09.2022</a:t>
+              <a:t>13.03.2023</a:t>
             </a:fld>
             <a:endParaRPr lang="de-AT"/>
           </a:p>
@@ -1841,7 +1841,7 @@
           <a:p>
             <a:fld id="{C11841D6-B7FC-4F74-87D2-69F6AB48AF83}" type="datetimeFigureOut">
               <a:rPr lang="de-AT" smtClean="0"/>
-              <a:t>22.09.2022</a:t>
+              <a:t>13.03.2023</a:t>
             </a:fld>
             <a:endParaRPr lang="de-AT"/>
           </a:p>
@@ -1983,7 +1983,7 @@
           <a:p>
             <a:fld id="{C11841D6-B7FC-4F74-87D2-69F6AB48AF83}" type="datetimeFigureOut">
               <a:rPr lang="de-AT" smtClean="0"/>
-              <a:t>22.09.2022</a:t>
+              <a:t>13.03.2023</a:t>
             </a:fld>
             <a:endParaRPr lang="de-AT"/>
           </a:p>
@@ -2096,7 +2096,7 @@
           <a:p>
             <a:fld id="{C11841D6-B7FC-4F74-87D2-69F6AB48AF83}" type="datetimeFigureOut">
               <a:rPr lang="de-AT" smtClean="0"/>
-              <a:t>22.09.2022</a:t>
+              <a:t>13.03.2023</a:t>
             </a:fld>
             <a:endParaRPr lang="de-AT"/>
           </a:p>
@@ -2409,7 +2409,7 @@
           <a:p>
             <a:fld id="{C11841D6-B7FC-4F74-87D2-69F6AB48AF83}" type="datetimeFigureOut">
               <a:rPr lang="de-AT" smtClean="0"/>
-              <a:t>22.09.2022</a:t>
+              <a:t>13.03.2023</a:t>
             </a:fld>
             <a:endParaRPr lang="de-AT"/>
           </a:p>
@@ -2698,7 +2698,7 @@
           <a:p>
             <a:fld id="{C11841D6-B7FC-4F74-87D2-69F6AB48AF83}" type="datetimeFigureOut">
               <a:rPr lang="de-AT" smtClean="0"/>
-              <a:t>22.09.2022</a:t>
+              <a:t>13.03.2023</a:t>
             </a:fld>
             <a:endParaRPr lang="de-AT"/>
           </a:p>
@@ -2941,7 +2941,7 @@
           <a:p>
             <a:fld id="{C11841D6-B7FC-4F74-87D2-69F6AB48AF83}" type="datetimeFigureOut">
               <a:rPr lang="de-AT" smtClean="0"/>
-              <a:t>22.09.2022</a:t>
+              <a:t>13.03.2023</a:t>
             </a:fld>
             <a:endParaRPr lang="de-AT"/>
           </a:p>
@@ -3358,18 +3358,76 @@
           <a:chExt cx="0" cy="0"/>
         </a:xfrm>
       </p:grpSpPr>
+      <p:sp>
+        <p:nvSpPr>
+          <p:cNvPr id="4" name="Rechteck 3">
+            <a:extLst>
+              <a:ext uri="{FF2B5EF4-FFF2-40B4-BE49-F238E27FC236}">
+                <a16:creationId xmlns:a16="http://schemas.microsoft.com/office/drawing/2014/main" id="{D8453B9D-5746-91C3-0009-D5E7553F4432}"/>
+              </a:ext>
+            </a:extLst>
+          </p:cNvPr>
+          <p:cNvSpPr/>
+          <p:nvPr/>
+        </p:nvSpPr>
+        <p:spPr>
+          <a:xfrm>
+            <a:off x="0" y="0"/>
+            <a:ext cx="6096000" cy="6858000"/>
+          </a:xfrm>
+          <a:prstGeom prst="rect">
+            <a:avLst/>
+          </a:prstGeom>
+          <a:solidFill>
+            <a:schemeClr val="tx1"/>
+          </a:solidFill>
+          <a:ln>
+            <a:noFill/>
+          </a:ln>
+        </p:spPr>
+        <p:style>
+          <a:lnRef idx="2">
+            <a:schemeClr val="accent1">
+              <a:shade val="50000"/>
+            </a:schemeClr>
+          </a:lnRef>
+          <a:fillRef idx="1">
+            <a:schemeClr val="accent1"/>
+          </a:fillRef>
+          <a:effectRef idx="0">
+            <a:schemeClr val="accent1"/>
+          </a:effectRef>
+          <a:fontRef idx="minor">
+            <a:schemeClr val="lt1"/>
+          </a:fontRef>
+        </p:style>
+        <p:txBody>
+          <a:bodyPr rtlCol="0" anchor="ctr"/>
+          <a:lstStyle/>
+          <a:p>
+            <a:pPr algn="ctr"/>
+            <a:endParaRPr lang="de-AT"/>
+          </a:p>
+        </p:txBody>
+      </p:sp>
       <p:grpSp>
         <p:nvGrpSpPr>
-          <p:cNvPr id="9" name="Gruppieren 8"/>
+          <p:cNvPr id="12" name="Gruppieren 11">
+            <a:extLst>
+              <a:ext uri="{FF2B5EF4-FFF2-40B4-BE49-F238E27FC236}">
+                <a16:creationId xmlns:a16="http://schemas.microsoft.com/office/drawing/2014/main" id="{370F0FFC-4FD1-0144-4679-C5ECBF2E81D7}"/>
+              </a:ext>
+            </a:extLst>
+          </p:cNvPr>
           <p:cNvGrpSpPr/>
           <p:nvPr/>
         </p:nvGrpSpPr>
         <p:grpSpPr>
           <a:xfrm>
             <a:off x="1740558" y="2404302"/>
-            <a:ext cx="8710884" cy="2049396"/>
-            <a:chOff x="1658231" y="2404302"/>
-            <a:chExt cx="8710884" cy="2049396"/>
+            <a:ext cx="8710884" cy="3110445"/>
+            <a:chOff x="1740558" y="2404302"/>
+            <a:chExt cx="8710884" cy="3110445"/>
           </a:xfrm>
         </p:grpSpPr>
         <p:grpSp>
@@ -3388,13 +3446,13 @@
           </p:nvGrpSpPr>
           <p:grpSpPr>
             <a:xfrm>
-              <a:off x="8929115" y="2726239"/>
+              <a:off x="9011442" y="2726239"/>
               <a:ext cx="1440000" cy="1440000"/>
               <a:chOff x="6224723" y="1709839"/>
               <a:chExt cx="3109802" cy="2465757"/>
             </a:xfrm>
             <a:effectLst>
-              <a:glow rad="127000">
+              <a:glow rad="76200">
                 <a:schemeClr val="bg1"/>
               </a:glow>
             </a:effectLst>
@@ -5608,16 +5666,22 @@
         </p:grpSp>
         <p:grpSp>
           <p:nvGrpSpPr>
-            <p:cNvPr id="4" name="Gruppieren 3"/>
+            <p:cNvPr id="10" name="Gruppieren 9">
+              <a:extLst>
+                <a:ext uri="{FF2B5EF4-FFF2-40B4-BE49-F238E27FC236}">
+                  <a16:creationId xmlns:a16="http://schemas.microsoft.com/office/drawing/2014/main" id="{2EF71D13-AA9E-84EA-9D4F-A0A7FBFCE747}"/>
+                </a:ext>
+              </a:extLst>
+            </p:cNvPr>
             <p:cNvGrpSpPr/>
             <p:nvPr/>
           </p:nvGrpSpPr>
           <p:grpSpPr>
             <a:xfrm>
-              <a:off x="1658231" y="2404302"/>
-              <a:ext cx="7137621" cy="2049396"/>
-              <a:chOff x="1767840" y="3673344"/>
-              <a:chExt cx="8656320" cy="2049396"/>
+              <a:off x="1740558" y="2404302"/>
+              <a:ext cx="8697847" cy="3110445"/>
+              <a:chOff x="1740558" y="2404302"/>
+              <a:chExt cx="8697847" cy="3110445"/>
             </a:xfrm>
           </p:grpSpPr>
           <p:sp>
@@ -5634,8 +5698,8 @@
             </p:nvSpPr>
             <p:spPr>
               <a:xfrm>
-                <a:off x="1767840" y="3673344"/>
-                <a:ext cx="8656320" cy="1231106"/>
+                <a:off x="1740558" y="2404302"/>
+                <a:ext cx="7137621" cy="1231106"/>
               </a:xfrm>
               <a:prstGeom prst="rect">
                 <a:avLst/>
@@ -5659,7 +5723,7 @@
               <a:lstStyle/>
               <a:p>
                 <a:r>
-                  <a:rPr lang="de-AT" sz="8000" b="1" i="1" spc="-400" dirty="0" smtClean="0">
+                  <a:rPr lang="de-AT" sz="8000" b="1" i="1" spc="-400" dirty="0">
                     <a:ln w="12700">
                       <a:noFill/>
                     </a:ln>
@@ -5674,19 +5738,6 @@
                   </a:rPr>
                   <a:t>Set-</a:t>
                 </a:r>
-                <a:endParaRPr lang="de-AT" sz="8000" b="1" i="1" spc="-400" dirty="0">
-                  <a:ln w="12700">
-                    <a:noFill/>
-                  </a:ln>
-                  <a:effectLst>
-                    <a:glow rad="127000">
-                      <a:schemeClr val="bg1"/>
-                    </a:glow>
-                  </a:effectLst>
-                  <a:latin typeface="Calibri" panose="020F0502020204030204" pitchFamily="34" charset="0"/>
-                  <a:ea typeface="Verdana" panose="020B0604030504040204" pitchFamily="34" charset="0"/>
-                  <a:cs typeface="Calibri" panose="020F0502020204030204" pitchFamily="34" charset="0"/>
-                </a:endParaRPr>
               </a:p>
             </p:txBody>
           </p:sp>
@@ -5704,8 +5755,8 @@
             </p:nvSpPr>
             <p:spPr>
               <a:xfrm>
-                <a:off x="1767840" y="4491634"/>
-                <a:ext cx="8656320" cy="1231106"/>
+                <a:off x="1740558" y="3222592"/>
+                <a:ext cx="7137621" cy="1231106"/>
               </a:xfrm>
               <a:prstGeom prst="rect">
                 <a:avLst/>
@@ -5729,7 +5780,7 @@
               <a:lstStyle/>
               <a:p>
                 <a:r>
-                  <a:rPr lang="de-AT" sz="8000" b="1" i="1" spc="-400" dirty="0" err="1" smtClean="0">
+                  <a:rPr lang="de-AT" sz="8000" b="1" i="1" spc="-400" dirty="0" err="1">
                     <a:ln w="12700">
                       <a:noFill/>
                     </a:ln>
@@ -5757,6 +5808,136 @@
                   <a:ea typeface="Verdana" panose="020B0604030504040204" pitchFamily="34" charset="0"/>
                   <a:cs typeface="Calibri" panose="020F0502020204030204" pitchFamily="34" charset="0"/>
                 </a:endParaRPr>
+              </a:p>
+            </p:txBody>
+          </p:sp>
+          <p:sp>
+            <p:nvSpPr>
+              <p:cNvPr id="2" name="Textfeld 1">
+                <a:extLst>
+                  <a:ext uri="{FF2B5EF4-FFF2-40B4-BE49-F238E27FC236}">
+                    <a16:creationId xmlns:a16="http://schemas.microsoft.com/office/drawing/2014/main" id="{AFBAA0C0-4F80-E436-6914-96C864B31AFC}"/>
+                  </a:ext>
+                </a:extLst>
+              </p:cNvPr>
+              <p:cNvSpPr txBox="1"/>
+              <p:nvPr/>
+            </p:nvSpPr>
+            <p:spPr>
+              <a:xfrm>
+                <a:off x="1740558" y="4283641"/>
+                <a:ext cx="8697847" cy="1231106"/>
+              </a:xfrm>
+              <a:prstGeom prst="rect">
+                <a:avLst/>
+              </a:prstGeom>
+              <a:noFill/>
+              <a:ln>
+                <a:noFill/>
+              </a:ln>
+              <a:effectLst>
+                <a:glow>
+                  <a:schemeClr val="accent1">
+                    <a:alpha val="40000"/>
+                  </a:schemeClr>
+                </a:glow>
+              </a:effectLst>
+            </p:spPr>
+            <p:txBody>
+              <a:bodyPr wrap="none" lIns="0" tIns="0" rIns="0" bIns="0" rtlCol="0" anchor="ctr" anchorCtr="0">
+                <a:noAutofit/>
+              </a:bodyPr>
+              <a:lstStyle/>
+              <a:p>
+                <a:pPr algn="just"/>
+                <a:r>
+                  <a:rPr lang="de-AT" sz="8000" b="1" i="1" spc="750" dirty="0" err="1">
+                    <a:ln w="12700">
+                      <a:noFill/>
+                    </a:ln>
+                    <a:gradFill flip="none" rotWithShape="1">
+                      <a:gsLst>
+                        <a:gs pos="0">
+                          <a:schemeClr val="accent4">
+                            <a:lumMod val="50000"/>
+                          </a:schemeClr>
+                        </a:gs>
+                        <a:gs pos="75000">
+                          <a:schemeClr val="accent4">
+                            <a:lumMod val="89000"/>
+                          </a:schemeClr>
+                        </a:gs>
+                        <a:gs pos="34000">
+                          <a:schemeClr val="accent4">
+                            <a:lumMod val="75000"/>
+                          </a:schemeClr>
+                        </a:gs>
+                        <a:gs pos="97000">
+                          <a:schemeClr val="accent4">
+                            <a:lumMod val="50000"/>
+                          </a:schemeClr>
+                        </a:gs>
+                      </a:gsLst>
+                      <a:path path="circle">
+                        <a:fillToRect l="50000" t="50000" r="50000" b="50000"/>
+                      </a:path>
+                      <a:tileRect/>
+                    </a:gradFill>
+                    <a:effectLst>
+                      <a:glow rad="76200">
+                        <a:schemeClr val="bg1"/>
+                      </a:glow>
+                    </a:effectLst>
+                    <a:latin typeface="Calibri" panose="020F0502020204030204" pitchFamily="34" charset="0"/>
+                    <a:ea typeface="Verdana" panose="020B0604030504040204" pitchFamily="34" charset="0"/>
+                    <a:cs typeface="Calibri" panose="020F0502020204030204" pitchFamily="34" charset="0"/>
+                  </a:rPr>
+                  <a:t>Benefactor</a:t>
+                </a:r>
+                <a:r>
+                  <a:rPr lang="de-AT" sz="8000" b="1" i="1" spc="750" dirty="0">
+                    <a:ln w="12700">
+                      <a:noFill/>
+                    </a:ln>
+                    <a:gradFill flip="none" rotWithShape="1">
+                      <a:gsLst>
+                        <a:gs pos="0">
+                          <a:schemeClr val="accent4">
+                            <a:lumMod val="50000"/>
+                          </a:schemeClr>
+                        </a:gs>
+                        <a:gs pos="75000">
+                          <a:schemeClr val="accent4">
+                            <a:lumMod val="89000"/>
+                          </a:schemeClr>
+                        </a:gs>
+                        <a:gs pos="34000">
+                          <a:schemeClr val="accent4">
+                            <a:lumMod val="75000"/>
+                          </a:schemeClr>
+                        </a:gs>
+                        <a:gs pos="97000">
+                          <a:schemeClr val="accent4">
+                            <a:lumMod val="50000"/>
+                          </a:schemeClr>
+                        </a:gs>
+                      </a:gsLst>
+                      <a:path path="circle">
+                        <a:fillToRect l="50000" t="50000" r="50000" b="50000"/>
+                      </a:path>
+                      <a:tileRect/>
+                    </a:gradFill>
+                    <a:effectLst>
+                      <a:glow rad="76200">
+                        <a:schemeClr val="bg1"/>
+                      </a:glow>
+                    </a:effectLst>
+                    <a:latin typeface="Calibri" panose="020F0502020204030204" pitchFamily="34" charset="0"/>
+                    <a:ea typeface="Verdana" panose="020B0604030504040204" pitchFamily="34" charset="0"/>
+                    <a:cs typeface="Calibri" panose="020F0502020204030204" pitchFamily="34" charset="0"/>
+                  </a:rPr>
+                  <a:t> Circle</a:t>
+                </a:r>
               </a:p>
             </p:txBody>
           </p:sp>
